--- a/Presentation/Visualizing Lake Fred.pptx
+++ b/Presentation/Visualizing Lake Fred.pptx
@@ -5,7 +5,7 @@
     <p:sldMasterId id="2147483768" r:id="rId4"/>
   </p:sldMasterIdLst>
   <p:notesMasterIdLst>
-    <p:notesMasterId r:id="rId34"/>
+    <p:notesMasterId r:id="rId35"/>
   </p:notesMasterIdLst>
   <p:sldIdLst>
     <p:sldId id="3825" r:id="rId5"/>
@@ -36,7 +36,8 @@
     <p:sldId id="3858" r:id="rId30"/>
     <p:sldId id="3859" r:id="rId31"/>
     <p:sldId id="3860" r:id="rId32"/>
-    <p:sldId id="3834" r:id="rId33"/>
+    <p:sldId id="3861" r:id="rId33"/>
+    <p:sldId id="3834" r:id="rId34"/>
   </p:sldIdLst>
   <p:sldSz cx="12192000" cy="6858000"/>
   <p:notesSz cx="6858000" cy="9144000"/>
@@ -252,7 +253,7 @@
           <a:p>
             <a:fld id="{6C7BA811-8917-4F1D-B22F-E96045BFA4E0}" type="datetimeFigureOut">
               <a:rPr lang="en-US" smtClean="0"/>
-              <a:t>11/12/2023</a:t>
+              <a:t>11/13/2023</a:t>
             </a:fld>
             <a:endParaRPr lang="en-US" dirty="0"/>
           </a:p>
@@ -12514,13 +12515,13 @@
   <p:clrMapOvr>
     <a:masterClrMapping/>
   </p:clrMapOvr>
-  <mc:AlternateContent xmlns:mc="http://schemas.openxmlformats.org/markup-compatibility/2006">
-    <mc:Choice xmlns:p159="http://schemas.microsoft.com/office/powerpoint/2015/09/main" Requires="p159">
+  <mc:AlternateContent xmlns:mc="http://schemas.openxmlformats.org/markup-compatibility/2006" xmlns:p159="http://schemas.microsoft.com/office/powerpoint/2015/09/main">
+    <mc:Choice Requires="p159">
       <p:transition xmlns:p14="http://schemas.microsoft.com/office/powerpoint/2010/main" spd="slow" p14:dur="2000">
         <p159:morph option="byObject"/>
       </p:transition>
     </mc:Choice>
-    <mc:Fallback>
+    <mc:Fallback xmlns="">
       <p:transition spd="slow">
         <p:fade/>
       </p:transition>
@@ -12792,13 +12793,13 @@
   <p:clrMapOvr>
     <a:masterClrMapping/>
   </p:clrMapOvr>
-  <mc:AlternateContent xmlns:mc="http://schemas.openxmlformats.org/markup-compatibility/2006">
-    <mc:Choice xmlns:p159="http://schemas.microsoft.com/office/powerpoint/2015/09/main" Requires="p159">
+  <mc:AlternateContent xmlns:mc="http://schemas.openxmlformats.org/markup-compatibility/2006" xmlns:p159="http://schemas.microsoft.com/office/powerpoint/2015/09/main">
+    <mc:Choice Requires="p159">
       <p:transition xmlns:p14="http://schemas.microsoft.com/office/powerpoint/2010/main" spd="slow" p14:dur="2000">
         <p159:morph option="byObject"/>
       </p:transition>
     </mc:Choice>
-    <mc:Fallback>
+    <mc:Fallback xmlns="">
       <p:transition spd="slow">
         <p:fade/>
       </p:transition>
@@ -13037,13 +13038,13 @@
   <p:clrMapOvr>
     <a:masterClrMapping/>
   </p:clrMapOvr>
-  <mc:AlternateContent xmlns:mc="http://schemas.openxmlformats.org/markup-compatibility/2006">
-    <mc:Choice xmlns:p159="http://schemas.microsoft.com/office/powerpoint/2015/09/main" Requires="p159">
+  <mc:AlternateContent xmlns:mc="http://schemas.openxmlformats.org/markup-compatibility/2006" xmlns:p159="http://schemas.microsoft.com/office/powerpoint/2015/09/main">
+    <mc:Choice Requires="p159">
       <p:transition xmlns:p14="http://schemas.microsoft.com/office/powerpoint/2010/main" spd="slow" p14:dur="2000">
         <p159:morph option="byObject"/>
       </p:transition>
     </mc:Choice>
-    <mc:Fallback>
+    <mc:Fallback xmlns="">
       <p:transition spd="slow">
         <p:fade/>
       </p:transition>
@@ -13102,8 +13103,8 @@
           </a:p>
         </p:txBody>
       </p:sp>
-      <mc:AlternateContent xmlns:mc="http://schemas.openxmlformats.org/markup-compatibility/2006">
-        <mc:Choice xmlns:a14="http://schemas.microsoft.com/office/drawing/2010/main" Requires="a14">
+      <mc:AlternateContent xmlns:mc="http://schemas.openxmlformats.org/markup-compatibility/2006" xmlns:a14="http://schemas.microsoft.com/office/drawing/2010/main">
+        <mc:Choice Requires="a14">
           <p:sp>
             <p:nvSpPr>
               <p:cNvPr id="3" name="Content Placeholder 2">
@@ -13238,17 +13239,17 @@
                 </a:r>
               </a:p>
               <a:p>
+                <a:pPr lvl="2"/>
+                <a:r>
+                  <a:rPr lang="en-US" dirty="0"/>
+                  <a:t>General Position (Points Only): An arrangement of points where no three points are colinear (Lie in a straight line)</a:t>
+                </a:r>
+              </a:p>
+              <a:p>
                 <a:pPr lvl="1"/>
                 <a:r>
                   <a:rPr lang="en-US" dirty="0"/>
                   <a:t>A circumcircle is a circle that passes through all the vertices of a given polygon. In our case a triangle</a:t>
-                </a:r>
-              </a:p>
-              <a:p>
-                <a:pPr lvl="2"/>
-                <a:r>
-                  <a:rPr lang="en-US" dirty="0"/>
-                  <a:t>General Position (Points Only): An arrangement of points where no three points are colinear (Lie in a straight line)</a:t>
                 </a:r>
               </a:p>
               <a:p>
@@ -13296,7 +13297,7 @@
             </p:txBody>
           </p:sp>
         </mc:Choice>
-        <mc:Fallback>
+        <mc:Fallback xmlns="">
           <p:sp>
             <p:nvSpPr>
               <p:cNvPr id="3" name="Content Placeholder 2">
@@ -14739,13 +14740,13 @@
   <p:clrMapOvr>
     <a:masterClrMapping/>
   </p:clrMapOvr>
-  <mc:AlternateContent xmlns:mc="http://schemas.openxmlformats.org/markup-compatibility/2006">
-    <mc:Choice xmlns:p159="http://schemas.microsoft.com/office/powerpoint/2015/09/main" Requires="p159">
+  <mc:AlternateContent xmlns:mc="http://schemas.openxmlformats.org/markup-compatibility/2006" xmlns:p159="http://schemas.microsoft.com/office/powerpoint/2015/09/main">
+    <mc:Choice Requires="p159">
       <p:transition xmlns:p14="http://schemas.microsoft.com/office/powerpoint/2010/main" spd="slow" p14:dur="2000">
         <p159:morph option="byObject"/>
       </p:transition>
     </mc:Choice>
-    <mc:Fallback>
+    <mc:Fallback xmlns="">
       <p:transition spd="slow">
         <p:fade/>
       </p:transition>
@@ -14848,7 +14849,7 @@
           <a:p>
             <a:r>
               <a:rPr lang="en-US" dirty="0"/>
-              <a:t>Check to see if a point lies between two circumcircles</a:t>
+              <a:t>Check to see if a point lies inside another circumcircle </a:t>
             </a:r>
           </a:p>
         </p:txBody>
@@ -19335,13 +19336,13 @@
   <p:clrMapOvr>
     <a:masterClrMapping/>
   </p:clrMapOvr>
-  <mc:AlternateContent xmlns:mc="http://schemas.openxmlformats.org/markup-compatibility/2006">
-    <mc:Choice xmlns:p159="http://schemas.microsoft.com/office/powerpoint/2015/09/main" Requires="p159">
+  <mc:AlternateContent xmlns:mc="http://schemas.openxmlformats.org/markup-compatibility/2006" xmlns:p159="http://schemas.microsoft.com/office/powerpoint/2015/09/main">
+    <mc:Choice Requires="p159">
       <p:transition xmlns:p14="http://schemas.microsoft.com/office/powerpoint/2010/main" spd="slow" p14:dur="2000">
         <p159:morph option="byObject"/>
       </p:transition>
     </mc:Choice>
-    <mc:Fallback>
+    <mc:Fallback xmlns="">
       <p:transition spd="slow">
         <p:fade/>
       </p:transition>
@@ -23988,13 +23989,13 @@
   <p:clrMapOvr>
     <a:masterClrMapping/>
   </p:clrMapOvr>
-  <mc:AlternateContent xmlns:mc="http://schemas.openxmlformats.org/markup-compatibility/2006">
-    <mc:Choice xmlns:p159="http://schemas.microsoft.com/office/powerpoint/2015/09/main" Requires="p159">
+  <mc:AlternateContent xmlns:mc="http://schemas.openxmlformats.org/markup-compatibility/2006" xmlns:p159="http://schemas.microsoft.com/office/powerpoint/2015/09/main">
+    <mc:Choice Requires="p159">
       <p:transition xmlns:p14="http://schemas.microsoft.com/office/powerpoint/2010/main" spd="slow" p14:dur="2000">
         <p159:morph option="byObject"/>
       </p:transition>
     </mc:Choice>
-    <mc:Fallback>
+    <mc:Fallback xmlns="">
       <p:transition spd="slow">
         <p:fade/>
       </p:transition>
@@ -27410,13 +27411,13 @@
   <p:clrMapOvr>
     <a:masterClrMapping/>
   </p:clrMapOvr>
-  <mc:AlternateContent xmlns:mc="http://schemas.openxmlformats.org/markup-compatibility/2006">
-    <mc:Choice xmlns:p159="http://schemas.microsoft.com/office/powerpoint/2015/09/main" Requires="p159">
+  <mc:AlternateContent xmlns:mc="http://schemas.openxmlformats.org/markup-compatibility/2006" xmlns:p159="http://schemas.microsoft.com/office/powerpoint/2015/09/main">
+    <mc:Choice Requires="p159">
       <p:transition xmlns:p14="http://schemas.microsoft.com/office/powerpoint/2010/main" spd="slow" p14:dur="2000">
         <p159:morph option="byObject"/>
       </p:transition>
     </mc:Choice>
-    <mc:Fallback>
+    <mc:Fallback xmlns="">
       <p:transition spd="slow">
         <p:fade/>
       </p:transition>
@@ -27475,8 +27476,8 @@
           </a:p>
         </p:txBody>
       </p:sp>
-      <mc:AlternateContent xmlns:mc="http://schemas.openxmlformats.org/markup-compatibility/2006">
-        <mc:Choice xmlns:a14="http://schemas.microsoft.com/office/drawing/2010/main" Requires="a14">
+      <mc:AlternateContent xmlns:mc="http://schemas.openxmlformats.org/markup-compatibility/2006" xmlns:a14="http://schemas.microsoft.com/office/drawing/2010/main">
+        <mc:Choice Requires="a14">
           <p:sp>
             <p:nvSpPr>
               <p:cNvPr id="3" name="Content Placeholder 2">
@@ -28065,7 +28066,7 @@
             </p:txBody>
           </p:sp>
         </mc:Choice>
-        <mc:Fallback>
+        <mc:Fallback xmlns="">
           <p:sp>
             <p:nvSpPr>
               <p:cNvPr id="3" name="Content Placeholder 2">
@@ -28319,13 +28320,13 @@
   <p:clrMapOvr>
     <a:masterClrMapping/>
   </p:clrMapOvr>
-  <mc:AlternateContent xmlns:mc="http://schemas.openxmlformats.org/markup-compatibility/2006">
-    <mc:Choice xmlns:p159="http://schemas.microsoft.com/office/powerpoint/2015/09/main" Requires="p159">
+  <mc:AlternateContent xmlns:mc="http://schemas.openxmlformats.org/markup-compatibility/2006" xmlns:p159="http://schemas.microsoft.com/office/powerpoint/2015/09/main">
+    <mc:Choice Requires="p159">
       <p:transition xmlns:p14="http://schemas.microsoft.com/office/powerpoint/2010/main" spd="slow" p14:dur="2000">
         <p159:morph option="byObject"/>
       </p:transition>
     </mc:Choice>
-    <mc:Fallback>
+    <mc:Fallback xmlns="">
       <p:transition spd="slow">
         <p:fade/>
       </p:transition>
@@ -28384,8 +28385,8 @@
           </a:p>
         </p:txBody>
       </p:sp>
-      <mc:AlternateContent xmlns:mc="http://schemas.openxmlformats.org/markup-compatibility/2006">
-        <mc:Choice xmlns:a14="http://schemas.microsoft.com/office/drawing/2010/main" Requires="a14">
+      <mc:AlternateContent xmlns:mc="http://schemas.openxmlformats.org/markup-compatibility/2006" xmlns:a14="http://schemas.microsoft.com/office/drawing/2010/main">
+        <mc:Choice Requires="a14">
           <p:sp>
             <p:nvSpPr>
               <p:cNvPr id="3" name="Content Placeholder 2">
@@ -29053,7 +29054,7 @@
                 <a:pPr lvl="1"/>
                 <a:r>
                   <a:rPr lang="en-US" sz="2500" b="0" dirty="0"/>
-                  <a:t>Eq1:</a:t>
+                  <a:t>Eq1: </a:t>
                 </a:r>
                 <a14:m>
                   <m:oMath xmlns:m="http://schemas.openxmlformats.org/officeDocument/2006/math">
@@ -29188,13 +29189,7 @@
                           <a:rPr lang="en-US" sz="2500" i="1">
                             <a:latin typeface="Cambria Math" panose="02040503050406030204" pitchFamily="18" charset="0"/>
                           </a:rPr>
-                          <m:t>𝐵</m:t>
-                        </m:r>
-                        <m:r>
-                          <a:rPr lang="en-US" sz="2500" i="1">
-                            <a:latin typeface="Cambria Math" panose="02040503050406030204" pitchFamily="18" charset="0"/>
-                          </a:rPr>
-                          <m:t>𝑥</m:t>
+                          <m:t>𝐵𝑥</m:t>
                         </m:r>
                         <m:r>
                           <a:rPr lang="en-US" sz="2500" i="1">
@@ -29249,13 +29244,7 @@
                           <a:rPr lang="en-US" sz="2500" i="1">
                             <a:latin typeface="Cambria Math" panose="02040503050406030204" pitchFamily="18" charset="0"/>
                           </a:rPr>
-                          <m:t>𝐵</m:t>
-                        </m:r>
-                        <m:r>
-                          <a:rPr lang="en-US" sz="2500" i="1">
-                            <a:latin typeface="Cambria Math" panose="02040503050406030204" pitchFamily="18" charset="0"/>
-                          </a:rPr>
-                          <m:t>𝑥</m:t>
+                          <m:t>𝐵𝑥</m:t>
                         </m:r>
                         <m:r>
                           <a:rPr lang="en-US" sz="2500" i="1">
@@ -29474,73 +29463,103 @@
                     <m:sSup>
                       <m:sSupPr>
                         <m:ctrlPr>
-                          <a:rPr lang="en-US" sz="2500" i="1"/>
+                          <a:rPr lang="en-US" sz="2500" i="1">
+                            <a:latin typeface="Cambria Math" panose="02040503050406030204" pitchFamily="18" charset="0"/>
+                          </a:rPr>
                         </m:ctrlPr>
                       </m:sSupPr>
                       <m:e>
                         <m:r>
-                          <a:rPr lang="en-US" sz="2500" i="1"/>
+                          <a:rPr lang="en-US" sz="2500" i="1">
+                            <a:latin typeface="Cambria Math" panose="02040503050406030204" pitchFamily="18" charset="0"/>
+                          </a:rPr>
                           <m:t>(</m:t>
                         </m:r>
                         <m:r>
-                          <a:rPr lang="en-US" sz="2500" i="1"/>
+                          <a:rPr lang="en-US" sz="2500" i="1">
+                            <a:latin typeface="Cambria Math" panose="02040503050406030204" pitchFamily="18" charset="0"/>
+                          </a:rPr>
                           <m:t>𝐵𝑥</m:t>
                         </m:r>
                         <m:r>
-                          <a:rPr lang="en-US" sz="2500" i="1"/>
+                          <a:rPr lang="en-US" sz="2500" i="1">
+                            <a:latin typeface="Cambria Math" panose="02040503050406030204" pitchFamily="18" charset="0"/>
+                          </a:rPr>
                           <m:t>−</m:t>
                         </m:r>
                         <m:r>
-                          <a:rPr lang="en-US" sz="2500" i="1"/>
+                          <a:rPr lang="en-US" sz="2500" i="1">
+                            <a:latin typeface="Cambria Math" panose="02040503050406030204" pitchFamily="18" charset="0"/>
+                          </a:rPr>
                           <m:t>𝑥</m:t>
                         </m:r>
                         <m:r>
-                          <a:rPr lang="en-US" sz="2500" i="1"/>
+                          <a:rPr lang="en-US" sz="2500" i="1">
+                            <a:latin typeface="Cambria Math" panose="02040503050406030204" pitchFamily="18" charset="0"/>
+                          </a:rPr>
                           <m:t>)</m:t>
                         </m:r>
                       </m:e>
                       <m:sup>
                         <m:r>
-                          <a:rPr lang="en-US" sz="2500" i="1"/>
+                          <a:rPr lang="en-US" sz="2500" i="1">
+                            <a:latin typeface="Cambria Math" panose="02040503050406030204" pitchFamily="18" charset="0"/>
+                          </a:rPr>
                           <m:t>2</m:t>
                         </m:r>
                       </m:sup>
                     </m:sSup>
                     <m:r>
-                      <a:rPr lang="en-US" sz="2500" i="1"/>
+                      <a:rPr lang="en-US" sz="2500" i="1">
+                        <a:latin typeface="Cambria Math" panose="02040503050406030204" pitchFamily="18" charset="0"/>
+                      </a:rPr>
                       <m:t>+</m:t>
                     </m:r>
                     <m:sSup>
                       <m:sSupPr>
                         <m:ctrlPr>
-                          <a:rPr lang="en-US" sz="2500" i="1"/>
+                          <a:rPr lang="en-US" sz="2500" i="1">
+                            <a:latin typeface="Cambria Math" panose="02040503050406030204" pitchFamily="18" charset="0"/>
+                          </a:rPr>
                         </m:ctrlPr>
                       </m:sSupPr>
                       <m:e>
                         <m:r>
-                          <a:rPr lang="en-US" sz="2500" i="1"/>
+                          <a:rPr lang="en-US" sz="2500" i="1">
+                            <a:latin typeface="Cambria Math" panose="02040503050406030204" pitchFamily="18" charset="0"/>
+                          </a:rPr>
                           <m:t>(</m:t>
                         </m:r>
                         <m:r>
-                          <a:rPr lang="en-US" sz="2500" i="1"/>
+                          <a:rPr lang="en-US" sz="2500" i="1">
+                            <a:latin typeface="Cambria Math" panose="02040503050406030204" pitchFamily="18" charset="0"/>
+                          </a:rPr>
                           <m:t>𝐵𝑥</m:t>
                         </m:r>
                         <m:r>
-                          <a:rPr lang="en-US" sz="2500" i="1"/>
+                          <a:rPr lang="en-US" sz="2500" i="1">
+                            <a:latin typeface="Cambria Math" panose="02040503050406030204" pitchFamily="18" charset="0"/>
+                          </a:rPr>
                           <m:t>−</m:t>
                         </m:r>
                         <m:r>
-                          <a:rPr lang="en-US" sz="2500" i="1"/>
+                          <a:rPr lang="en-US" sz="2500" i="1">
+                            <a:latin typeface="Cambria Math" panose="02040503050406030204" pitchFamily="18" charset="0"/>
+                          </a:rPr>
                           <m:t>𝑥</m:t>
                         </m:r>
                         <m:r>
-                          <a:rPr lang="en-US" sz="2500" i="1"/>
+                          <a:rPr lang="en-US" sz="2500" i="1">
+                            <a:latin typeface="Cambria Math" panose="02040503050406030204" pitchFamily="18" charset="0"/>
+                          </a:rPr>
                           <m:t>)</m:t>
                         </m:r>
                       </m:e>
                       <m:sup>
                         <m:r>
-                          <a:rPr lang="en-US" sz="2500" i="1"/>
+                          <a:rPr lang="en-US" sz="2500" i="1">
+                            <a:latin typeface="Cambria Math" panose="02040503050406030204" pitchFamily="18" charset="0"/>
+                          </a:rPr>
                           <m:t>2</m:t>
                         </m:r>
                       </m:sup>
@@ -29804,7 +29823,7 @@
                 <a:pPr lvl="1"/>
                 <a:r>
                   <a:rPr lang="en-US" sz="2500" dirty="0"/>
-                  <a:t>Eq2:</a:t>
+                  <a:t>Eq2: </a:t>
                 </a:r>
                 <a14:m>
                   <m:oMath xmlns:m="http://schemas.openxmlformats.org/officeDocument/2006/math">
@@ -30060,7 +30079,7 @@
             </p:txBody>
           </p:sp>
         </mc:Choice>
-        <mc:Fallback>
+        <mc:Fallback xmlns="">
           <p:sp>
             <p:nvSpPr>
               <p:cNvPr id="3" name="Content Placeholder 2">
@@ -30085,7 +30104,7 @@
               <a:blipFill>
                 <a:blip r:embed="rId2"/>
                 <a:stretch>
-                  <a:fillRect l="-811" t="-1278" b="-1394"/>
+                  <a:fillRect l="-811" t="-1278" b="-1278"/>
                 </a:stretch>
               </a:blipFill>
             </p:spPr>
@@ -30279,13 +30298,13 @@
   <p:clrMapOvr>
     <a:masterClrMapping/>
   </p:clrMapOvr>
-  <mc:AlternateContent xmlns:mc="http://schemas.openxmlformats.org/markup-compatibility/2006">
-    <mc:Choice xmlns:p159="http://schemas.microsoft.com/office/powerpoint/2015/09/main" Requires="p159">
+  <mc:AlternateContent xmlns:mc="http://schemas.openxmlformats.org/markup-compatibility/2006" xmlns:p159="http://schemas.microsoft.com/office/powerpoint/2015/09/main">
+    <mc:Choice Requires="p159">
       <p:transition xmlns:p14="http://schemas.microsoft.com/office/powerpoint/2010/main" spd="slow" p14:dur="2000">
         <p159:morph option="byObject"/>
       </p:transition>
     </mc:Choice>
-    <mc:Fallback>
+    <mc:Fallback xmlns="">
       <p:transition spd="slow">
         <p:fade/>
       </p:transition>
@@ -30644,13 +30663,13 @@
   <p:clrMapOvr>
     <a:masterClrMapping/>
   </p:clrMapOvr>
-  <mc:AlternateContent xmlns:mc="http://schemas.openxmlformats.org/markup-compatibility/2006">
-    <mc:Choice xmlns:p159="http://schemas.microsoft.com/office/powerpoint/2015/09/main" Requires="p159">
+  <mc:AlternateContent xmlns:mc="http://schemas.openxmlformats.org/markup-compatibility/2006" xmlns:p159="http://schemas.microsoft.com/office/powerpoint/2015/09/main">
+    <mc:Choice Requires="p159">
       <p:transition xmlns:p14="http://schemas.microsoft.com/office/powerpoint/2010/main" spd="slow" p14:dur="2000">
         <p159:morph option="byObject"/>
       </p:transition>
     </mc:Choice>
-    <mc:Fallback>
+    <mc:Fallback xmlns="">
       <p:transition spd="slow">
         <p:fade/>
       </p:transition>
@@ -30945,35 +30964,6 @@
       </p:pic>
       <p:pic>
         <p:nvPicPr>
-          <p:cNvPr id="15" name="Picture 14" descr="A map of a large piece of land&#10;&#10;Description automatically generated with medium confidence">
-            <a:extLst>
-              <a:ext uri="{FF2B5EF4-FFF2-40B4-BE49-F238E27FC236}">
-                <a16:creationId xmlns:a16="http://schemas.microsoft.com/office/drawing/2014/main" id="{58CDCD35-60FB-5E67-DA9E-66A6D226AB57}"/>
-              </a:ext>
-            </a:extLst>
-          </p:cNvPr>
-          <p:cNvPicPr>
-            <a:picLocks noChangeAspect="1"/>
-          </p:cNvPicPr>
-          <p:nvPr/>
-        </p:nvPicPr>
-        <p:blipFill rotWithShape="1">
-          <a:blip r:embed="rId4"/>
-          <a:srcRect l="9325" t="5317" r="7738" b="4952"/>
-          <a:stretch/>
-        </p:blipFill>
-        <p:spPr>
-          <a:xfrm>
-            <a:off x="1658837" y="7469377"/>
-            <a:ext cx="8323363" cy="4420521"/>
-          </a:xfrm>
-          <a:prstGeom prst="rect">
-            <a:avLst/>
-          </a:prstGeom>
-        </p:spPr>
-      </p:pic>
-      <p:pic>
-        <p:nvPicPr>
           <p:cNvPr id="16" name="Picture 15">
             <a:extLst>
               <a:ext uri="{FF2B5EF4-FFF2-40B4-BE49-F238E27FC236}">
@@ -30987,7 +30977,7 @@
           <p:nvPr/>
         </p:nvPicPr>
         <p:blipFill>
-          <a:blip r:embed="rId5"/>
+          <a:blip r:embed="rId4"/>
           <a:stretch>
             <a:fillRect/>
           </a:stretch>
@@ -30996,6 +30986,35 @@
           <a:xfrm>
             <a:off x="12442371" y="365125"/>
             <a:ext cx="3054268" cy="1010258"/>
+          </a:xfrm>
+          <a:prstGeom prst="rect">
+            <a:avLst/>
+          </a:prstGeom>
+        </p:spPr>
+      </p:pic>
+      <p:pic>
+        <p:nvPicPr>
+          <p:cNvPr id="7" name="Picture 6" descr="A map of a mountain&#10;&#10;Description automatically generated">
+            <a:extLst>
+              <a:ext uri="{FF2B5EF4-FFF2-40B4-BE49-F238E27FC236}">
+                <a16:creationId xmlns:a16="http://schemas.microsoft.com/office/drawing/2014/main" id="{71AD1BE1-F4CA-5B7C-DBA8-7ABA88BDED15}"/>
+              </a:ext>
+            </a:extLst>
+          </p:cNvPr>
+          <p:cNvPicPr>
+            <a:picLocks noChangeAspect="1"/>
+          </p:cNvPicPr>
+          <p:nvPr/>
+        </p:nvPicPr>
+        <p:blipFill rotWithShape="1">
+          <a:blip r:embed="rId5"/>
+          <a:srcRect l="9326" t="5526" r="8333" b="6567"/>
+          <a:stretch/>
+        </p:blipFill>
+        <p:spPr>
+          <a:xfrm>
+            <a:off x="2092125" y="7558459"/>
+            <a:ext cx="7890075" cy="4242358"/>
           </a:xfrm>
           <a:prstGeom prst="rect">
             <a:avLst/>
@@ -31012,13 +31031,13 @@
   <p:clrMapOvr>
     <a:masterClrMapping/>
   </p:clrMapOvr>
-  <mc:AlternateContent xmlns:mc="http://schemas.openxmlformats.org/markup-compatibility/2006">
-    <mc:Choice xmlns:p159="http://schemas.microsoft.com/office/powerpoint/2015/09/main" Requires="p159">
+  <mc:AlternateContent xmlns:mc="http://schemas.openxmlformats.org/markup-compatibility/2006" xmlns:p159="http://schemas.microsoft.com/office/powerpoint/2015/09/main">
+    <mc:Choice Requires="p159">
       <p:transition xmlns:p14="http://schemas.microsoft.com/office/powerpoint/2010/main" spd="slow" p14:dur="2000">
         <p159:morph option="byObject"/>
       </p:transition>
     </mc:Choice>
-    <mc:Fallback>
+    <mc:Fallback xmlns="">
       <p:transition spd="slow">
         <p:fade/>
       </p:transition>
@@ -31358,13 +31377,13 @@
   <p:clrMapOvr>
     <a:masterClrMapping/>
   </p:clrMapOvr>
-  <mc:AlternateContent xmlns:mc="http://schemas.openxmlformats.org/markup-compatibility/2006">
-    <mc:Choice xmlns:p159="http://schemas.microsoft.com/office/powerpoint/2015/09/main" Requires="p159">
+  <mc:AlternateContent xmlns:mc="http://schemas.openxmlformats.org/markup-compatibility/2006" xmlns:p159="http://schemas.microsoft.com/office/powerpoint/2015/09/main">
+    <mc:Choice Requires="p159">
       <p:transition xmlns:p14="http://schemas.microsoft.com/office/powerpoint/2010/main" spd="slow" p14:dur="2000">
         <p159:morph option="byObject"/>
       </p:transition>
     </mc:Choice>
-    <mc:Fallback>
+    <mc:Fallback xmlns="">
       <p:transition spd="slow">
         <p:fade/>
       </p:transition>
@@ -31392,10 +31411,10 @@
       </p:grpSpPr>
       <p:pic>
         <p:nvPicPr>
-          <p:cNvPr id="8" name="Picture 7" descr="A map of a large piece of land&#10;&#10;Description automatically generated with medium confidence">
+          <p:cNvPr id="11" name="Picture 10" descr="A map of a mountain&#10;&#10;Description automatically generated">
             <a:extLst>
               <a:ext uri="{FF2B5EF4-FFF2-40B4-BE49-F238E27FC236}">
-                <a16:creationId xmlns:a16="http://schemas.microsoft.com/office/drawing/2014/main" id="{65FD7F61-9784-5ED5-0206-40A6A6747E3E}"/>
+                <a16:creationId xmlns:a16="http://schemas.microsoft.com/office/drawing/2014/main" id="{ED7FF2A2-4A18-ADCA-191F-16C9F1C51CF7}"/>
               </a:ext>
             </a:extLst>
           </p:cNvPr>
@@ -31406,13 +31425,13 @@
         </p:nvPicPr>
         <p:blipFill rotWithShape="1">
           <a:blip r:embed="rId2"/>
-          <a:srcRect l="9325" t="5317" r="7738" b="4952"/>
+          <a:srcRect l="9326" t="5526" r="8333" b="6567"/>
           <a:stretch/>
         </p:blipFill>
         <p:spPr>
           <a:xfrm>
-            <a:off x="2709635" y="1813258"/>
-            <a:ext cx="8323363" cy="4420521"/>
+            <a:off x="1809773" y="1973943"/>
+            <a:ext cx="7890075" cy="4242358"/>
           </a:xfrm>
           <a:prstGeom prst="rect">
             <a:avLst/>
@@ -31475,7 +31494,7 @@
           <a:p>
             <a:r>
               <a:rPr lang="en-US" dirty="0"/>
-              <a:t>Visualizing what SciPy is doing:</a:t>
+              <a:t>Visualizing what SciPy is did:</a:t>
             </a:r>
           </a:p>
           <a:p>
@@ -31747,13 +31766,13 @@
   <p:clrMapOvr>
     <a:masterClrMapping/>
   </p:clrMapOvr>
-  <mc:AlternateContent xmlns:mc="http://schemas.openxmlformats.org/markup-compatibility/2006">
-    <mc:Choice xmlns:p159="http://schemas.microsoft.com/office/powerpoint/2015/09/main" Requires="p159">
+  <mc:AlternateContent xmlns:mc="http://schemas.openxmlformats.org/markup-compatibility/2006" xmlns:p159="http://schemas.microsoft.com/office/powerpoint/2015/09/main">
+    <mc:Choice Requires="p159">
       <p:transition xmlns:p14="http://schemas.microsoft.com/office/powerpoint/2010/main" spd="slow" p14:dur="2000">
         <p159:morph option="byObject"/>
       </p:transition>
     </mc:Choice>
-    <mc:Fallback>
+    <mc:Fallback xmlns="">
       <p:transition spd="slow">
         <p:fade/>
       </p:transition>
@@ -31779,35 +31798,6 @@
           <a:chExt cx="0" cy="0"/>
         </a:xfrm>
       </p:grpSpPr>
-      <p:pic>
-        <p:nvPicPr>
-          <p:cNvPr id="8" name="Picture 7" descr="A map of a large piece of land&#10;&#10;Description automatically generated with medium confidence">
-            <a:extLst>
-              <a:ext uri="{FF2B5EF4-FFF2-40B4-BE49-F238E27FC236}">
-                <a16:creationId xmlns:a16="http://schemas.microsoft.com/office/drawing/2014/main" id="{65FD7F61-9784-5ED5-0206-40A6A6747E3E}"/>
-              </a:ext>
-            </a:extLst>
-          </p:cNvPr>
-          <p:cNvPicPr>
-            <a:picLocks noChangeAspect="1"/>
-          </p:cNvPicPr>
-          <p:nvPr/>
-        </p:nvPicPr>
-        <p:blipFill rotWithShape="1">
-          <a:blip r:embed="rId2"/>
-          <a:srcRect l="9325" t="5317" r="7738" b="4952"/>
-          <a:stretch/>
-        </p:blipFill>
-        <p:spPr>
-          <a:xfrm>
-            <a:off x="2209800" y="7604458"/>
-            <a:ext cx="8323363" cy="4420521"/>
-          </a:xfrm>
-          <a:prstGeom prst="rect">
-            <a:avLst/>
-          </a:prstGeom>
-        </p:spPr>
-      </p:pic>
       <p:sp>
         <p:nvSpPr>
           <p:cNvPr id="2" name="Title 1">
@@ -32034,7 +32024,7 @@
           <p:nvPr/>
         </p:nvPicPr>
         <p:blipFill rotWithShape="1">
-          <a:blip r:embed="rId3"/>
+          <a:blip r:embed="rId2"/>
           <a:srcRect l="9087" r="-6445"/>
           <a:stretch/>
         </p:blipFill>
@@ -32063,7 +32053,7 @@
           <p:nvPr/>
         </p:nvPicPr>
         <p:blipFill rotWithShape="1">
-          <a:blip r:embed="rId4"/>
+          <a:blip r:embed="rId3"/>
           <a:srcRect l="5210" t="7149" r="4940"/>
           <a:stretch/>
         </p:blipFill>
@@ -32092,7 +32082,7 @@
           <p:nvPr/>
         </p:nvPicPr>
         <p:blipFill>
-          <a:blip r:embed="rId5"/>
+          <a:blip r:embed="rId4"/>
           <a:stretch>
             <a:fillRect/>
           </a:stretch>
@@ -32101,6 +32091,35 @@
           <a:xfrm>
             <a:off x="1936679" y="-3298324"/>
             <a:ext cx="7094835" cy="3017782"/>
+          </a:xfrm>
+          <a:prstGeom prst="rect">
+            <a:avLst/>
+          </a:prstGeom>
+        </p:spPr>
+      </p:pic>
+      <p:pic>
+        <p:nvPicPr>
+          <p:cNvPr id="7" name="Picture 6" descr="A map of a mountain&#10;&#10;Description automatically generated">
+            <a:extLst>
+              <a:ext uri="{FF2B5EF4-FFF2-40B4-BE49-F238E27FC236}">
+                <a16:creationId xmlns:a16="http://schemas.microsoft.com/office/drawing/2014/main" id="{D57EBCC0-5B60-6307-B235-15CFFB950903}"/>
+              </a:ext>
+            </a:extLst>
+          </p:cNvPr>
+          <p:cNvPicPr>
+            <a:picLocks noChangeAspect="1"/>
+          </p:cNvPicPr>
+          <p:nvPr/>
+        </p:nvPicPr>
+        <p:blipFill rotWithShape="1">
+          <a:blip r:embed="rId5"/>
+          <a:srcRect l="9326" t="5526" r="8333" b="6567"/>
+          <a:stretch/>
+        </p:blipFill>
+        <p:spPr>
+          <a:xfrm>
+            <a:off x="1539058" y="7664355"/>
+            <a:ext cx="7890075" cy="4242358"/>
           </a:xfrm>
           <a:prstGeom prst="rect">
             <a:avLst/>
@@ -32117,13 +32136,13 @@
   <p:clrMapOvr>
     <a:masterClrMapping/>
   </p:clrMapOvr>
-  <mc:AlternateContent xmlns:mc="http://schemas.openxmlformats.org/markup-compatibility/2006">
-    <mc:Choice xmlns:p159="http://schemas.microsoft.com/office/powerpoint/2015/09/main" Requires="p159">
+  <mc:AlternateContent xmlns:mc="http://schemas.openxmlformats.org/markup-compatibility/2006" xmlns:p159="http://schemas.microsoft.com/office/powerpoint/2015/09/main">
+    <mc:Choice Requires="p159">
       <p:transition xmlns:p14="http://schemas.microsoft.com/office/powerpoint/2010/main" spd="slow" p14:dur="2000">
         <p159:morph option="byObject"/>
       </p:transition>
     </mc:Choice>
-    <mc:Fallback>
+    <mc:Fallback xmlns="">
       <p:transition spd="slow">
         <p:fade/>
       </p:transition>
@@ -32440,7 +32459,7 @@
         </p:blipFill>
         <p:spPr>
           <a:xfrm>
-            <a:off x="1644406" y="2122160"/>
+            <a:off x="1644406" y="2131685"/>
             <a:ext cx="8903188" cy="3786963"/>
           </a:xfrm>
           <a:prstGeom prst="rect">
@@ -32458,13 +32477,13 @@
   <p:clrMapOvr>
     <a:masterClrMapping/>
   </p:clrMapOvr>
-  <mc:AlternateContent xmlns:mc="http://schemas.openxmlformats.org/markup-compatibility/2006">
-    <mc:Choice xmlns:p159="http://schemas.microsoft.com/office/powerpoint/2015/09/main" Requires="p159">
+  <mc:AlternateContent xmlns:mc="http://schemas.openxmlformats.org/markup-compatibility/2006" xmlns:p159="http://schemas.microsoft.com/office/powerpoint/2015/09/main">
+    <mc:Choice Requires="p159">
       <p:transition xmlns:p14="http://schemas.microsoft.com/office/powerpoint/2010/main" spd="slow" p14:dur="2000">
         <p159:morph option="byObject"/>
       </p:transition>
     </mc:Choice>
-    <mc:Fallback>
+    <mc:Fallback xmlns="">
       <p:transition spd="slow">
         <p:fade/>
       </p:transition>
@@ -32616,13 +32635,13 @@
   <p:clrMapOvr>
     <a:masterClrMapping/>
   </p:clrMapOvr>
-  <mc:AlternateContent xmlns:mc="http://schemas.openxmlformats.org/markup-compatibility/2006">
-    <mc:Choice xmlns:p159="http://schemas.microsoft.com/office/powerpoint/2015/09/main" Requires="p159">
+  <mc:AlternateContent xmlns:mc="http://schemas.openxmlformats.org/markup-compatibility/2006" xmlns:p159="http://schemas.microsoft.com/office/powerpoint/2015/09/main">
+    <mc:Choice Requires="p159">
       <p:transition xmlns:p14="http://schemas.microsoft.com/office/powerpoint/2010/main" spd="slow" p14:dur="2000">
         <p159:morph option="byObject"/>
       </p:transition>
     </mc:Choice>
-    <mc:Fallback>
+    <mc:Fallback xmlns="">
       <p:transition spd="slow">
         <p:fade/>
       </p:transition>
@@ -33008,13 +33027,13 @@
   <p:clrMapOvr>
     <a:masterClrMapping/>
   </p:clrMapOvr>
-  <mc:AlternateContent xmlns:mc="http://schemas.openxmlformats.org/markup-compatibility/2006">
-    <mc:Choice xmlns:p159="http://schemas.microsoft.com/office/powerpoint/2015/09/main" Requires="p159">
+  <mc:AlternateContent xmlns:mc="http://schemas.openxmlformats.org/markup-compatibility/2006" xmlns:p159="http://schemas.microsoft.com/office/powerpoint/2015/09/main">
+    <mc:Choice Requires="p159">
       <p:transition xmlns:p14="http://schemas.microsoft.com/office/powerpoint/2010/main" spd="slow" p14:dur="2000">
         <p159:morph option="byObject"/>
       </p:transition>
     </mc:Choice>
-    <mc:Fallback>
+    <mc:Fallback xmlns="">
       <p:transition spd="slow">
         <p:fade/>
       </p:transition>
@@ -33226,7 +33245,7 @@
           <a:p>
             <a:r>
               <a:rPr lang="en-US" dirty="0"/>
-              <a:t>Solution: Extrude by creating a lake model</a:t>
+              <a:t>Solution: Extrude all four parts</a:t>
             </a:r>
           </a:p>
           <a:p>
@@ -33402,13 +33421,13 @@
   <p:clrMapOvr>
     <a:masterClrMapping/>
   </p:clrMapOvr>
-  <mc:AlternateContent xmlns:mc="http://schemas.openxmlformats.org/markup-compatibility/2006">
-    <mc:Choice xmlns:p159="http://schemas.microsoft.com/office/powerpoint/2015/09/main" Requires="p159">
+  <mc:AlternateContent xmlns:mc="http://schemas.openxmlformats.org/markup-compatibility/2006" xmlns:p159="http://schemas.microsoft.com/office/powerpoint/2015/09/main">
+    <mc:Choice Requires="p159">
       <p:transition xmlns:p14="http://schemas.microsoft.com/office/powerpoint/2010/main" spd="slow" p14:dur="2000">
         <p159:morph option="byObject"/>
       </p:transition>
     </mc:Choice>
-    <mc:Fallback>
+    <mc:Fallback xmlns="">
       <p:transition spd="slow">
         <p:fade/>
       </p:transition>
@@ -33672,13 +33691,13 @@
   <p:clrMapOvr>
     <a:masterClrMapping/>
   </p:clrMapOvr>
-  <mc:AlternateContent xmlns:mc="http://schemas.openxmlformats.org/markup-compatibility/2006">
-    <mc:Choice xmlns:p159="http://schemas.microsoft.com/office/powerpoint/2015/09/main" Requires="p159">
+  <mc:AlternateContent xmlns:mc="http://schemas.openxmlformats.org/markup-compatibility/2006" xmlns:p159="http://schemas.microsoft.com/office/powerpoint/2015/09/main">
+    <mc:Choice Requires="p159">
       <p:transition xmlns:p14="http://schemas.microsoft.com/office/powerpoint/2010/main" spd="slow" p14:dur="2000">
         <p159:morph option="byObject"/>
       </p:transition>
     </mc:Choice>
-    <mc:Fallback>
+    <mc:Fallback xmlns="">
       <p:transition spd="slow">
         <p:fade/>
       </p:transition>
@@ -33770,13 +33789,13 @@
   <p:clrMapOvr>
     <a:masterClrMapping/>
   </p:clrMapOvr>
-  <mc:AlternateContent xmlns:mc="http://schemas.openxmlformats.org/markup-compatibility/2006">
-    <mc:Choice xmlns:p159="http://schemas.microsoft.com/office/powerpoint/2015/09/main" Requires="p159">
+  <mc:AlternateContent xmlns:mc="http://schemas.openxmlformats.org/markup-compatibility/2006" xmlns:p159="http://schemas.microsoft.com/office/powerpoint/2015/09/main">
+    <mc:Choice Requires="p159">
       <p:transition xmlns:p14="http://schemas.microsoft.com/office/powerpoint/2010/main" spd="slow" p14:dur="2000">
         <p159:morph option="byObject"/>
       </p:transition>
     </mc:Choice>
-    <mc:Fallback>
+    <mc:Fallback xmlns="">
       <p:transition spd="slow">
         <p:fade/>
       </p:transition>
@@ -34109,13 +34128,13 @@
   <p:clrMapOvr>
     <a:masterClrMapping/>
   </p:clrMapOvr>
-  <mc:AlternateContent xmlns:mc="http://schemas.openxmlformats.org/markup-compatibility/2006">
-    <mc:Choice xmlns:p159="http://schemas.microsoft.com/office/powerpoint/2015/09/main" Requires="p159">
+  <mc:AlternateContent xmlns:mc="http://schemas.openxmlformats.org/markup-compatibility/2006" xmlns:p159="http://schemas.microsoft.com/office/powerpoint/2015/09/main">
+    <mc:Choice Requires="p159">
       <p:transition xmlns:p14="http://schemas.microsoft.com/office/powerpoint/2010/main" spd="slow" p14:dur="2000">
         <p159:morph option="byObject"/>
       </p:transition>
     </mc:Choice>
-    <mc:Fallback>
+    <mc:Fallback xmlns="">
       <p:transition spd="slow">
         <p:fade/>
       </p:transition>
@@ -34141,72 +34160,12 @@
           <a:chExt cx="0" cy="0"/>
         </a:xfrm>
       </p:grpSpPr>
-      <p:pic>
-        <p:nvPicPr>
-          <p:cNvPr id="10" name="Picture 9" descr="A qr code on a white background&#10;&#10;Description automatically generated">
-            <a:extLst>
-              <a:ext uri="{FF2B5EF4-FFF2-40B4-BE49-F238E27FC236}">
-                <a16:creationId xmlns:a16="http://schemas.microsoft.com/office/drawing/2014/main" id="{E6385743-6361-81BB-926C-04D9DAA896C4}"/>
-              </a:ext>
-            </a:extLst>
-          </p:cNvPr>
-          <p:cNvPicPr>
-            <a:picLocks noChangeAspect="1"/>
-          </p:cNvPicPr>
-          <p:nvPr/>
-        </p:nvPicPr>
-        <p:blipFill>
-          <a:blip r:embed="rId2"/>
-          <a:stretch>
-            <a:fillRect/>
-          </a:stretch>
-        </p:blipFill>
-        <p:spPr>
-          <a:xfrm>
-            <a:off x="5303811" y="3661200"/>
-            <a:ext cx="2514600" cy="2514600"/>
-          </a:xfrm>
-          <a:prstGeom prst="rect">
-            <a:avLst/>
-          </a:prstGeom>
-        </p:spPr>
-      </p:pic>
-      <p:pic>
-        <p:nvPicPr>
-          <p:cNvPr id="16" name="Picture 15" descr="A qr code on a white background&#10;&#10;Description automatically generated">
-            <a:extLst>
-              <a:ext uri="{FF2B5EF4-FFF2-40B4-BE49-F238E27FC236}">
-                <a16:creationId xmlns:a16="http://schemas.microsoft.com/office/drawing/2014/main" id="{4A63CDF3-E102-2E0E-7818-CDD424B6F940}"/>
-              </a:ext>
-            </a:extLst>
-          </p:cNvPr>
-          <p:cNvPicPr>
-            <a:picLocks noChangeAspect="1"/>
-          </p:cNvPicPr>
-          <p:nvPr/>
-        </p:nvPicPr>
-        <p:blipFill>
-          <a:blip r:embed="rId3"/>
-          <a:stretch>
-            <a:fillRect/>
-          </a:stretch>
-        </p:blipFill>
-        <p:spPr>
-          <a:xfrm>
-            <a:off x="8080337" y="3661200"/>
-            <a:ext cx="2514600" cy="2514600"/>
-          </a:xfrm>
-          <a:prstGeom prst="rect">
-            <a:avLst/>
-          </a:prstGeom>
-        </p:spPr>
-      </p:pic>
       <p:sp>
         <p:nvSpPr>
           <p:cNvPr id="2" name="Title 1">
             <a:extLst>
               <a:ext uri="{FF2B5EF4-FFF2-40B4-BE49-F238E27FC236}">
-                <a16:creationId xmlns:a16="http://schemas.microsoft.com/office/drawing/2014/main" id="{659706C9-F26D-46CA-93BF-8C27012F6B12}"/>
+                <a16:creationId xmlns:a16="http://schemas.microsoft.com/office/drawing/2014/main" id="{F063A7EA-A6D9-B297-B655-134B17986189}"/>
               </a:ext>
             </a:extLst>
           </p:cNvPr>
@@ -34224,17 +34183,17 @@
           <a:p>
             <a:r>
               <a:rPr lang="en-US" dirty="0"/>
-              <a:t>Thank you</a:t>
+              <a:t>Sources</a:t>
             </a:r>
           </a:p>
         </p:txBody>
       </p:sp>
       <p:sp>
         <p:nvSpPr>
-          <p:cNvPr id="4" name="Date Placeholder 3">
+          <p:cNvPr id="3" name="Date Placeholder 2">
             <a:extLst>
               <a:ext uri="{FF2B5EF4-FFF2-40B4-BE49-F238E27FC236}">
-                <a16:creationId xmlns:a16="http://schemas.microsoft.com/office/drawing/2014/main" id="{6F95E0EB-F1F4-436B-A218-93E100A66902}"/>
+                <a16:creationId xmlns:a16="http://schemas.microsoft.com/office/drawing/2014/main" id="{736B69D5-A399-9443-C3F7-67BA856AC085}"/>
               </a:ext>
             </a:extLst>
           </p:cNvPr>
@@ -34250,21 +34209,35 @@
           <a:bodyPr/>
           <a:lstStyle/>
           <a:p>
-            <a:pPr lvl="0"/>
+            <a:pPr>
+              <a:defRPr/>
+            </a:pPr>
             <a:r>
-              <a:rPr lang="en-US" noProof="0"/>
+              <a:rPr lang="en-US">
+                <a:solidFill>
+                  <a:prstClr val="black">
+                    <a:tint val="75000"/>
+                  </a:prstClr>
+                </a:solidFill>
+              </a:rPr>
               <a:t>11/12/2023</a:t>
             </a:r>
-            <a:endParaRPr lang="en-US" noProof="0" dirty="0"/>
+            <a:endParaRPr lang="en-US" dirty="0">
+              <a:solidFill>
+                <a:prstClr val="black">
+                  <a:tint val="75000"/>
+                </a:prstClr>
+              </a:solidFill>
+            </a:endParaRPr>
           </a:p>
         </p:txBody>
       </p:sp>
       <p:sp>
         <p:nvSpPr>
-          <p:cNvPr id="5" name="Footer Placeholder 4">
+          <p:cNvPr id="4" name="Footer Placeholder 3">
             <a:extLst>
               <a:ext uri="{FF2B5EF4-FFF2-40B4-BE49-F238E27FC236}">
-                <a16:creationId xmlns:a16="http://schemas.microsoft.com/office/drawing/2014/main" id="{C75D06EF-9416-46F7-8230-B49EE1269F53}"/>
+                <a16:creationId xmlns:a16="http://schemas.microsoft.com/office/drawing/2014/main" id="{92303C5A-7BAA-9252-0630-141C123C3819}"/>
               </a:ext>
             </a:extLst>
           </p:cNvPr>
@@ -34280,51 +34253,35 @@
           <a:bodyPr/>
           <a:lstStyle/>
           <a:p>
-            <a:pPr marL="0" marR="0" lvl="0" indent="0" algn="ctr" defTabSz="914400" rtl="0" eaLnBrk="1" fontAlgn="auto" latinLnBrk="0" hangingPunct="1">
-              <a:lnSpc>
-                <a:spcPct val="100000"/>
-              </a:lnSpc>
-              <a:spcBef>
-                <a:spcPts val="0"/>
-              </a:spcBef>
-              <a:spcAft>
-                <a:spcPts val="0"/>
-              </a:spcAft>
-              <a:buClrTx/>
-              <a:buSzTx/>
-              <a:buFontTx/>
-              <a:buNone/>
-              <a:tabLst/>
+            <a:pPr>
               <a:defRPr/>
             </a:pPr>
             <a:r>
-              <a:rPr kumimoji="0" lang="en-US" sz="1200" b="0" i="0" u="none" strike="noStrike" kern="1200" cap="none" spc="0" normalizeH="0" baseline="0" noProof="0" dirty="0">
-                <a:ln>
-                  <a:noFill/>
-                </a:ln>
+              <a:rPr lang="en-US">
                 <a:solidFill>
                   <a:prstClr val="black">
                     <a:tint val="75000"/>
                   </a:prstClr>
                 </a:solidFill>
-                <a:effectLst/>
-                <a:uLnTx/>
-                <a:uFillTx/>
-                <a:latin typeface="Calibri" panose="020F0502020204030204"/>
-                <a:ea typeface="+mn-ea"/>
-                <a:cs typeface="+mn-cs"/>
               </a:rPr>
               <a:t>Visualizing Lake Fred</a:t>
             </a:r>
+            <a:endParaRPr lang="en-US" dirty="0">
+              <a:solidFill>
+                <a:prstClr val="black">
+                  <a:tint val="75000"/>
+                </a:prstClr>
+              </a:solidFill>
+            </a:endParaRPr>
           </a:p>
         </p:txBody>
       </p:sp>
       <p:sp>
         <p:nvSpPr>
-          <p:cNvPr id="6" name="Slide Number Placeholder 5">
+          <p:cNvPr id="5" name="Slide Number Placeholder 4">
             <a:extLst>
               <a:ext uri="{FF2B5EF4-FFF2-40B4-BE49-F238E27FC236}">
-                <a16:creationId xmlns:a16="http://schemas.microsoft.com/office/drawing/2014/main" id="{7359025F-68D1-4F50-8480-3F981455D4DE}"/>
+                <a16:creationId xmlns:a16="http://schemas.microsoft.com/office/drawing/2014/main" id="{281262E1-5661-9324-64C5-7564A8708B47}"/>
               </a:ext>
             </a:extLst>
           </p:cNvPr>
@@ -34340,22 +34297,38 @@
           <a:bodyPr/>
           <a:lstStyle/>
           <a:p>
-            <a:pPr lvl="0"/>
+            <a:pPr>
+              <a:defRPr/>
+            </a:pPr>
             <a:fld id="{D76B855D-E9CC-4FF8-AD85-6CDC7B89A0DE}" type="slidenum">
-              <a:rPr lang="en-US" noProof="0" smtClean="0"/>
-              <a:pPr lvl="0"/>
+              <a:rPr lang="en-US" smtClean="0">
+                <a:solidFill>
+                  <a:prstClr val="black">
+                    <a:tint val="75000"/>
+                  </a:prstClr>
+                </a:solidFill>
+              </a:rPr>
+              <a:pPr>
+                <a:defRPr/>
+              </a:pPr>
               <a:t>29</a:t>
             </a:fld>
-            <a:endParaRPr lang="en-US" noProof="0" dirty="0"/>
+            <a:endParaRPr lang="en-US" dirty="0">
+              <a:solidFill>
+                <a:prstClr val="black">
+                  <a:tint val="75000"/>
+                </a:prstClr>
+              </a:solidFill>
+            </a:endParaRPr>
           </a:p>
         </p:txBody>
       </p:sp>
       <p:sp>
         <p:nvSpPr>
-          <p:cNvPr id="3" name="Content Placeholder 2">
+          <p:cNvPr id="6" name="Content Placeholder 5">
             <a:extLst>
               <a:ext uri="{FF2B5EF4-FFF2-40B4-BE49-F238E27FC236}">
-                <a16:creationId xmlns:a16="http://schemas.microsoft.com/office/drawing/2014/main" id="{21F0B6E0-1F7C-4E6A-87B1-554ADE739CD1}"/>
+                <a16:creationId xmlns:a16="http://schemas.microsoft.com/office/drawing/2014/main" id="{7A55E037-F217-A44C-1C20-6015F583D22D}"/>
               </a:ext>
             </a:extLst>
           </p:cNvPr>
@@ -34366,155 +34339,70 @@
             <p:ph idx="1"/>
           </p:nvPr>
         </p:nvSpPr>
-        <p:spPr>
-          <a:xfrm>
-            <a:off x="5797296" y="1234440"/>
-            <a:ext cx="4709160" cy="870131"/>
-          </a:xfrm>
-        </p:spPr>
+        <p:spPr/>
         <p:txBody>
-          <a:bodyPr>
-            <a:normAutofit/>
-          </a:bodyPr>
+          <a:bodyPr/>
           <a:lstStyle/>
           <a:p>
-            <a:pPr>
-              <a:lnSpc>
-                <a:spcPct val="100000"/>
-              </a:lnSpc>
-              <a:spcBef>
-                <a:spcPts val="0"/>
-              </a:spcBef>
-            </a:pPr>
+            <a:r>
+              <a:rPr lang="en-US" dirty="0" err="1"/>
+              <a:t>Qhull</a:t>
+            </a:r>
             <a:r>
               <a:rPr lang="en-US" dirty="0"/>
-              <a:t>Mohammed Mowla</a:t>
+              <a:t> - </a:t>
             </a:r>
-          </a:p>
-          <a:p>
-            <a:pPr>
-              <a:lnSpc>
-                <a:spcPct val="100000"/>
-              </a:lnSpc>
-              <a:spcBef>
-                <a:spcPts val="0"/>
-              </a:spcBef>
-            </a:pPr>
+            <a:r>
+              <a:rPr lang="en-US" dirty="0">
+                <a:hlinkClick r:id="rId2"/>
+              </a:rPr>
+              <a:t>http://www.qhull.org/</a:t>
+            </a:r>
+            <a:endParaRPr lang="en-US" dirty="0"/>
+          </a:p>
+          <a:p>
             <a:r>
               <a:rPr lang="en-US" dirty="0"/>
-              <a:t>mowlam1@go.stockton.edu</a:t>
+              <a:t>An implementation of Watson’s Algorithm for computing 2-Dimensional Delaunay Triangulations [Sloan, </a:t>
             </a:r>
-          </a:p>
-          <a:p>
-            <a:pPr>
-              <a:lnSpc>
-                <a:spcPct val="100000"/>
-              </a:lnSpc>
-              <a:spcBef>
-                <a:spcPts val="0"/>
-              </a:spcBef>
-            </a:pPr>
-            <a:endParaRPr lang="en-US" dirty="0"/>
-          </a:p>
-        </p:txBody>
-      </p:sp>
-      <p:sp>
-        <p:nvSpPr>
-          <p:cNvPr id="11" name="TextBox 10">
-            <a:extLst>
-              <a:ext uri="{FF2B5EF4-FFF2-40B4-BE49-F238E27FC236}">
-                <a16:creationId xmlns:a16="http://schemas.microsoft.com/office/drawing/2014/main" id="{60C48471-ACB7-453E-0326-716B58096E35}"/>
-              </a:ext>
-            </a:extLst>
-          </p:cNvPr>
-          <p:cNvSpPr txBox="1"/>
-          <p:nvPr/>
-        </p:nvSpPr>
-        <p:spPr>
-          <a:xfrm>
-            <a:off x="5375348" y="3447143"/>
-            <a:ext cx="2374245" cy="369332"/>
-          </a:xfrm>
-          <a:prstGeom prst="rect">
-            <a:avLst/>
-          </a:prstGeom>
-          <a:noFill/>
-        </p:spPr>
-        <p:txBody>
-          <a:bodyPr wrap="square" rtlCol="0">
-            <a:spAutoFit/>
-          </a:bodyPr>
-          <a:lstStyle/>
-          <a:p>
-            <a:pPr>
-              <a:spcBef>
-                <a:spcPts val="3000"/>
-              </a:spcBef>
-            </a:pPr>
             <a:r>
-              <a:rPr lang="en-US" sz="1800" dirty="0"/>
-              <a:t>Interactive Lake Fred</a:t>
+              <a:rPr lang="en-US" dirty="0" err="1"/>
+              <a:t>Houlsby</a:t>
             </a:r>
-          </a:p>
-        </p:txBody>
-      </p:sp>
-      <p:sp>
-        <p:nvSpPr>
-          <p:cNvPr id="12" name="TextBox 11">
-            <a:extLst>
-              <a:ext uri="{FF2B5EF4-FFF2-40B4-BE49-F238E27FC236}">
-                <a16:creationId xmlns:a16="http://schemas.microsoft.com/office/drawing/2014/main" id="{A3CBF51F-3D4F-F0BE-C796-6A3CD4599DCD}"/>
-              </a:ext>
-            </a:extLst>
-          </p:cNvPr>
-          <p:cNvSpPr txBox="1"/>
-          <p:nvPr/>
-        </p:nvSpPr>
-        <p:spPr>
-          <a:xfrm>
-            <a:off x="8151876" y="3170144"/>
-            <a:ext cx="2693378" cy="646331"/>
-          </a:xfrm>
-          <a:prstGeom prst="rect">
-            <a:avLst/>
-          </a:prstGeom>
-          <a:noFill/>
-        </p:spPr>
-        <p:txBody>
-          <a:bodyPr wrap="square" rtlCol="0">
-            <a:spAutoFit/>
-          </a:bodyPr>
-          <a:lstStyle/>
-          <a:p>
-            <a:pPr>
-              <a:spcBef>
-                <a:spcPts val="3000"/>
-              </a:spcBef>
-            </a:pPr>
             <a:r>
               <a:rPr lang="en-US" dirty="0"/>
-              <a:t>Data Processing, 3D Print and Blender Files</a:t>
+              <a:t>] </a:t>
             </a:r>
+            <a:r>
+              <a:rPr lang="en-US" dirty="0">
+                <a:hlinkClick r:id="rId3"/>
+              </a:rPr>
+              <a:t>https://www.newcastle.edu.au/__data/assets/pdf_file/0018/22482/07_An-implementation-of-Watsons-algorithm-for-computing-two-dimensional-Delaunay-triangulations.pdf</a:t>
+            </a:r>
+            <a:br>
+              <a:rPr lang="en-US" dirty="0"/>
+            </a:br>
+            <a:endParaRPr lang="en-US" dirty="0"/>
           </a:p>
         </p:txBody>
       </p:sp>
     </p:spTree>
     <p:extLst>
       <p:ext uri="{BB962C8B-B14F-4D97-AF65-F5344CB8AC3E}">
-        <p14:creationId xmlns:p14="http://schemas.microsoft.com/office/powerpoint/2010/main" val="962258905"/>
+        <p14:creationId xmlns:p14="http://schemas.microsoft.com/office/powerpoint/2010/main" val="264234149"/>
       </p:ext>
     </p:extLst>
   </p:cSld>
   <p:clrMapOvr>
     <a:masterClrMapping/>
   </p:clrMapOvr>
-  <mc:AlternateContent xmlns:mc="http://schemas.openxmlformats.org/markup-compatibility/2006">
-    <mc:Choice xmlns:p159="http://schemas.microsoft.com/office/powerpoint/2015/09/main" Requires="p159">
+  <mc:AlternateContent xmlns:mc="http://schemas.openxmlformats.org/markup-compatibility/2006" xmlns:p159="http://schemas.microsoft.com/office/powerpoint/2015/09/main">
+    <mc:Choice Requires="p159">
       <p:transition xmlns:p14="http://schemas.microsoft.com/office/powerpoint/2010/main" spd="slow" p14:dur="2000">
         <p159:morph option="byObject"/>
       </p:transition>
     </mc:Choice>
-    <mc:Fallback>
+    <mc:Fallback xmlns="">
       <p:transition spd="slow">
         <p:fade/>
       </p:transition>
@@ -34699,13 +34587,412 @@
   <p:clrMapOvr>
     <a:masterClrMapping/>
   </p:clrMapOvr>
-  <mc:AlternateContent xmlns:mc="http://schemas.openxmlformats.org/markup-compatibility/2006">
-    <mc:Choice xmlns:p159="http://schemas.microsoft.com/office/powerpoint/2015/09/main" Requires="p159">
+  <mc:AlternateContent xmlns:mc="http://schemas.openxmlformats.org/markup-compatibility/2006" xmlns:p159="http://schemas.microsoft.com/office/powerpoint/2015/09/main">
+    <mc:Choice Requires="p159">
       <p:transition xmlns:p14="http://schemas.microsoft.com/office/powerpoint/2010/main" spd="slow" p14:dur="2000">
         <p159:morph option="byObject"/>
       </p:transition>
     </mc:Choice>
-    <mc:Fallback>
+    <mc:Fallback xmlns="">
+      <p:transition spd="slow">
+        <p:fade/>
+      </p:transition>
+    </mc:Fallback>
+  </mc:AlternateContent>
+</p:sld>
+</file>
+
+<file path=ppt/slides/slide30.xml><?xml version="1.0" encoding="utf-8"?>
+<p:sld xmlns:a="http://schemas.openxmlformats.org/drawingml/2006/main" xmlns:r="http://schemas.openxmlformats.org/officeDocument/2006/relationships" xmlns:p="http://schemas.openxmlformats.org/presentationml/2006/main">
+  <p:cSld>
+    <p:spTree>
+      <p:nvGrpSpPr>
+        <p:cNvPr id="1" name=""/>
+        <p:cNvGrpSpPr/>
+        <p:nvPr/>
+      </p:nvGrpSpPr>
+      <p:grpSpPr>
+        <a:xfrm>
+          <a:off x="0" y="0"/>
+          <a:ext cx="0" cy="0"/>
+          <a:chOff x="0" y="0"/>
+          <a:chExt cx="0" cy="0"/>
+        </a:xfrm>
+      </p:grpSpPr>
+      <p:pic>
+        <p:nvPicPr>
+          <p:cNvPr id="10" name="Picture 9" descr="A qr code on a white background&#10;&#10;Description automatically generated">
+            <a:extLst>
+              <a:ext uri="{FF2B5EF4-FFF2-40B4-BE49-F238E27FC236}">
+                <a16:creationId xmlns:a16="http://schemas.microsoft.com/office/drawing/2014/main" id="{E6385743-6361-81BB-926C-04D9DAA896C4}"/>
+              </a:ext>
+            </a:extLst>
+          </p:cNvPr>
+          <p:cNvPicPr>
+            <a:picLocks noChangeAspect="1"/>
+          </p:cNvPicPr>
+          <p:nvPr/>
+        </p:nvPicPr>
+        <p:blipFill>
+          <a:blip r:embed="rId2"/>
+          <a:stretch>
+            <a:fillRect/>
+          </a:stretch>
+        </p:blipFill>
+        <p:spPr>
+          <a:xfrm>
+            <a:off x="5303811" y="3661200"/>
+            <a:ext cx="2514600" cy="2514600"/>
+          </a:xfrm>
+          <a:prstGeom prst="rect">
+            <a:avLst/>
+          </a:prstGeom>
+        </p:spPr>
+      </p:pic>
+      <p:pic>
+        <p:nvPicPr>
+          <p:cNvPr id="16" name="Picture 15" descr="A qr code on a white background&#10;&#10;Description automatically generated">
+            <a:extLst>
+              <a:ext uri="{FF2B5EF4-FFF2-40B4-BE49-F238E27FC236}">
+                <a16:creationId xmlns:a16="http://schemas.microsoft.com/office/drawing/2014/main" id="{4A63CDF3-E102-2E0E-7818-CDD424B6F940}"/>
+              </a:ext>
+            </a:extLst>
+          </p:cNvPr>
+          <p:cNvPicPr>
+            <a:picLocks noChangeAspect="1"/>
+          </p:cNvPicPr>
+          <p:nvPr/>
+        </p:nvPicPr>
+        <p:blipFill>
+          <a:blip r:embed="rId3"/>
+          <a:stretch>
+            <a:fillRect/>
+          </a:stretch>
+        </p:blipFill>
+        <p:spPr>
+          <a:xfrm>
+            <a:off x="8080337" y="3661200"/>
+            <a:ext cx="2514600" cy="2514600"/>
+          </a:xfrm>
+          <a:prstGeom prst="rect">
+            <a:avLst/>
+          </a:prstGeom>
+        </p:spPr>
+      </p:pic>
+      <p:sp>
+        <p:nvSpPr>
+          <p:cNvPr id="2" name="Title 1">
+            <a:extLst>
+              <a:ext uri="{FF2B5EF4-FFF2-40B4-BE49-F238E27FC236}">
+                <a16:creationId xmlns:a16="http://schemas.microsoft.com/office/drawing/2014/main" id="{659706C9-F26D-46CA-93BF-8C27012F6B12}"/>
+              </a:ext>
+            </a:extLst>
+          </p:cNvPr>
+          <p:cNvSpPr>
+            <a:spLocks noGrp="1"/>
+          </p:cNvSpPr>
+          <p:nvPr>
+            <p:ph type="title"/>
+          </p:nvPr>
+        </p:nvSpPr>
+        <p:spPr/>
+        <p:txBody>
+          <a:bodyPr/>
+          <a:lstStyle/>
+          <a:p>
+            <a:r>
+              <a:rPr lang="en-US" dirty="0"/>
+              <a:t>Thank you</a:t>
+            </a:r>
+          </a:p>
+        </p:txBody>
+      </p:sp>
+      <p:sp>
+        <p:nvSpPr>
+          <p:cNvPr id="4" name="Date Placeholder 3">
+            <a:extLst>
+              <a:ext uri="{FF2B5EF4-FFF2-40B4-BE49-F238E27FC236}">
+                <a16:creationId xmlns:a16="http://schemas.microsoft.com/office/drawing/2014/main" id="{6F95E0EB-F1F4-436B-A218-93E100A66902}"/>
+              </a:ext>
+            </a:extLst>
+          </p:cNvPr>
+          <p:cNvSpPr>
+            <a:spLocks noGrp="1"/>
+          </p:cNvSpPr>
+          <p:nvPr>
+            <p:ph type="dt" sz="half" idx="10"/>
+          </p:nvPr>
+        </p:nvSpPr>
+        <p:spPr/>
+        <p:txBody>
+          <a:bodyPr/>
+          <a:lstStyle/>
+          <a:p>
+            <a:pPr lvl="0"/>
+            <a:r>
+              <a:rPr lang="en-US" noProof="0"/>
+              <a:t>11/12/2023</a:t>
+            </a:r>
+            <a:endParaRPr lang="en-US" noProof="0" dirty="0"/>
+          </a:p>
+        </p:txBody>
+      </p:sp>
+      <p:sp>
+        <p:nvSpPr>
+          <p:cNvPr id="5" name="Footer Placeholder 4">
+            <a:extLst>
+              <a:ext uri="{FF2B5EF4-FFF2-40B4-BE49-F238E27FC236}">
+                <a16:creationId xmlns:a16="http://schemas.microsoft.com/office/drawing/2014/main" id="{C75D06EF-9416-46F7-8230-B49EE1269F53}"/>
+              </a:ext>
+            </a:extLst>
+          </p:cNvPr>
+          <p:cNvSpPr>
+            <a:spLocks noGrp="1"/>
+          </p:cNvSpPr>
+          <p:nvPr>
+            <p:ph type="ftr" sz="quarter" idx="11"/>
+          </p:nvPr>
+        </p:nvSpPr>
+        <p:spPr/>
+        <p:txBody>
+          <a:bodyPr/>
+          <a:lstStyle/>
+          <a:p>
+            <a:pPr marL="0" marR="0" lvl="0" indent="0" algn="ctr" defTabSz="914400" rtl="0" eaLnBrk="1" fontAlgn="auto" latinLnBrk="0" hangingPunct="1">
+              <a:lnSpc>
+                <a:spcPct val="100000"/>
+              </a:lnSpc>
+              <a:spcBef>
+                <a:spcPts val="0"/>
+              </a:spcBef>
+              <a:spcAft>
+                <a:spcPts val="0"/>
+              </a:spcAft>
+              <a:buClrTx/>
+              <a:buSzTx/>
+              <a:buFontTx/>
+              <a:buNone/>
+              <a:tabLst/>
+              <a:defRPr/>
+            </a:pPr>
+            <a:r>
+              <a:rPr kumimoji="0" lang="en-US" sz="1200" b="0" i="0" u="none" strike="noStrike" kern="1200" cap="none" spc="0" normalizeH="0" baseline="0" noProof="0" dirty="0">
+                <a:ln>
+                  <a:noFill/>
+                </a:ln>
+                <a:solidFill>
+                  <a:prstClr val="black">
+                    <a:tint val="75000"/>
+                  </a:prstClr>
+                </a:solidFill>
+                <a:effectLst/>
+                <a:uLnTx/>
+                <a:uFillTx/>
+                <a:latin typeface="Calibri" panose="020F0502020204030204"/>
+                <a:ea typeface="+mn-ea"/>
+                <a:cs typeface="+mn-cs"/>
+              </a:rPr>
+              <a:t>Visualizing Lake Fred</a:t>
+            </a:r>
+          </a:p>
+        </p:txBody>
+      </p:sp>
+      <p:sp>
+        <p:nvSpPr>
+          <p:cNvPr id="6" name="Slide Number Placeholder 5">
+            <a:extLst>
+              <a:ext uri="{FF2B5EF4-FFF2-40B4-BE49-F238E27FC236}">
+                <a16:creationId xmlns:a16="http://schemas.microsoft.com/office/drawing/2014/main" id="{7359025F-68D1-4F50-8480-3F981455D4DE}"/>
+              </a:ext>
+            </a:extLst>
+          </p:cNvPr>
+          <p:cNvSpPr>
+            <a:spLocks noGrp="1"/>
+          </p:cNvSpPr>
+          <p:nvPr>
+            <p:ph type="sldNum" sz="quarter" idx="12"/>
+          </p:nvPr>
+        </p:nvSpPr>
+        <p:spPr/>
+        <p:txBody>
+          <a:bodyPr/>
+          <a:lstStyle/>
+          <a:p>
+            <a:pPr lvl="0"/>
+            <a:fld id="{D76B855D-E9CC-4FF8-AD85-6CDC7B89A0DE}" type="slidenum">
+              <a:rPr lang="en-US" noProof="0" smtClean="0"/>
+              <a:pPr lvl="0"/>
+              <a:t>30</a:t>
+            </a:fld>
+            <a:endParaRPr lang="en-US" noProof="0" dirty="0"/>
+          </a:p>
+        </p:txBody>
+      </p:sp>
+      <p:sp>
+        <p:nvSpPr>
+          <p:cNvPr id="3" name="Content Placeholder 2">
+            <a:extLst>
+              <a:ext uri="{FF2B5EF4-FFF2-40B4-BE49-F238E27FC236}">
+                <a16:creationId xmlns:a16="http://schemas.microsoft.com/office/drawing/2014/main" id="{21F0B6E0-1F7C-4E6A-87B1-554ADE739CD1}"/>
+              </a:ext>
+            </a:extLst>
+          </p:cNvPr>
+          <p:cNvSpPr>
+            <a:spLocks noGrp="1"/>
+          </p:cNvSpPr>
+          <p:nvPr>
+            <p:ph idx="1"/>
+          </p:nvPr>
+        </p:nvSpPr>
+        <p:spPr>
+          <a:xfrm>
+            <a:off x="5797296" y="1234440"/>
+            <a:ext cx="4709160" cy="870131"/>
+          </a:xfrm>
+        </p:spPr>
+        <p:txBody>
+          <a:bodyPr>
+            <a:normAutofit/>
+          </a:bodyPr>
+          <a:lstStyle/>
+          <a:p>
+            <a:pPr>
+              <a:lnSpc>
+                <a:spcPct val="100000"/>
+              </a:lnSpc>
+              <a:spcBef>
+                <a:spcPts val="0"/>
+              </a:spcBef>
+            </a:pPr>
+            <a:r>
+              <a:rPr lang="en-US" dirty="0"/>
+              <a:t>Mohammed Mowla</a:t>
+            </a:r>
+          </a:p>
+          <a:p>
+            <a:pPr>
+              <a:lnSpc>
+                <a:spcPct val="100000"/>
+              </a:lnSpc>
+              <a:spcBef>
+                <a:spcPts val="0"/>
+              </a:spcBef>
+            </a:pPr>
+            <a:r>
+              <a:rPr lang="en-US" dirty="0"/>
+              <a:t>mowlam1@go.stockton.edu</a:t>
+            </a:r>
+          </a:p>
+          <a:p>
+            <a:pPr>
+              <a:lnSpc>
+                <a:spcPct val="100000"/>
+              </a:lnSpc>
+              <a:spcBef>
+                <a:spcPts val="0"/>
+              </a:spcBef>
+            </a:pPr>
+            <a:endParaRPr lang="en-US" dirty="0"/>
+          </a:p>
+        </p:txBody>
+      </p:sp>
+      <p:sp>
+        <p:nvSpPr>
+          <p:cNvPr id="11" name="TextBox 10">
+            <a:extLst>
+              <a:ext uri="{FF2B5EF4-FFF2-40B4-BE49-F238E27FC236}">
+                <a16:creationId xmlns:a16="http://schemas.microsoft.com/office/drawing/2014/main" id="{60C48471-ACB7-453E-0326-716B58096E35}"/>
+              </a:ext>
+            </a:extLst>
+          </p:cNvPr>
+          <p:cNvSpPr txBox="1"/>
+          <p:nvPr/>
+        </p:nvSpPr>
+        <p:spPr>
+          <a:xfrm>
+            <a:off x="5375348" y="3447143"/>
+            <a:ext cx="2374245" cy="369332"/>
+          </a:xfrm>
+          <a:prstGeom prst="rect">
+            <a:avLst/>
+          </a:prstGeom>
+          <a:noFill/>
+        </p:spPr>
+        <p:txBody>
+          <a:bodyPr wrap="square" rtlCol="0">
+            <a:spAutoFit/>
+          </a:bodyPr>
+          <a:lstStyle/>
+          <a:p>
+            <a:pPr>
+              <a:spcBef>
+                <a:spcPts val="3000"/>
+              </a:spcBef>
+            </a:pPr>
+            <a:r>
+              <a:rPr lang="en-US" sz="1800" dirty="0"/>
+              <a:t>Interactive Lake Fred</a:t>
+            </a:r>
+          </a:p>
+        </p:txBody>
+      </p:sp>
+      <p:sp>
+        <p:nvSpPr>
+          <p:cNvPr id="12" name="TextBox 11">
+            <a:extLst>
+              <a:ext uri="{FF2B5EF4-FFF2-40B4-BE49-F238E27FC236}">
+                <a16:creationId xmlns:a16="http://schemas.microsoft.com/office/drawing/2014/main" id="{A3CBF51F-3D4F-F0BE-C796-6A3CD4599DCD}"/>
+              </a:ext>
+            </a:extLst>
+          </p:cNvPr>
+          <p:cNvSpPr txBox="1"/>
+          <p:nvPr/>
+        </p:nvSpPr>
+        <p:spPr>
+          <a:xfrm>
+            <a:off x="8151876" y="3170144"/>
+            <a:ext cx="2693378" cy="646331"/>
+          </a:xfrm>
+          <a:prstGeom prst="rect">
+            <a:avLst/>
+          </a:prstGeom>
+          <a:noFill/>
+        </p:spPr>
+        <p:txBody>
+          <a:bodyPr wrap="square" rtlCol="0">
+            <a:spAutoFit/>
+          </a:bodyPr>
+          <a:lstStyle/>
+          <a:p>
+            <a:pPr>
+              <a:spcBef>
+                <a:spcPts val="3000"/>
+              </a:spcBef>
+            </a:pPr>
+            <a:r>
+              <a:rPr lang="en-US" dirty="0"/>
+              <a:t>Data Processing, 3D Print and Blender Files</a:t>
+            </a:r>
+          </a:p>
+        </p:txBody>
+      </p:sp>
+    </p:spTree>
+    <p:extLst>
+      <p:ext uri="{BB962C8B-B14F-4D97-AF65-F5344CB8AC3E}">
+        <p14:creationId xmlns:p14="http://schemas.microsoft.com/office/powerpoint/2010/main" val="962258905"/>
+      </p:ext>
+    </p:extLst>
+  </p:cSld>
+  <p:clrMapOvr>
+    <a:masterClrMapping/>
+  </p:clrMapOvr>
+  <mc:AlternateContent xmlns:mc="http://schemas.openxmlformats.org/markup-compatibility/2006" xmlns:p159="http://schemas.microsoft.com/office/powerpoint/2015/09/main">
+    <mc:Choice Requires="p159">
+      <p:transition xmlns:p14="http://schemas.microsoft.com/office/powerpoint/2010/main" spd="slow" p14:dur="2000">
+        <p159:morph option="byObject"/>
+      </p:transition>
+    </mc:Choice>
+    <mc:Fallback xmlns="">
       <p:transition spd="slow">
         <p:fade/>
       </p:transition>
@@ -35095,13 +35382,13 @@
   <p:clrMapOvr>
     <a:masterClrMapping/>
   </p:clrMapOvr>
-  <mc:AlternateContent xmlns:mc="http://schemas.openxmlformats.org/markup-compatibility/2006">
-    <mc:Choice xmlns:p159="http://schemas.microsoft.com/office/powerpoint/2015/09/main" Requires="p159">
+  <mc:AlternateContent xmlns:mc="http://schemas.openxmlformats.org/markup-compatibility/2006" xmlns:p159="http://schemas.microsoft.com/office/powerpoint/2015/09/main">
+    <mc:Choice Requires="p159">
       <p:transition xmlns:p14="http://schemas.microsoft.com/office/powerpoint/2010/main" spd="slow" p14:dur="2000">
         <p159:morph option="byObject"/>
       </p:transition>
     </mc:Choice>
-    <mc:Fallback>
+    <mc:Fallback xmlns="">
       <p:transition spd="slow">
         <p:fade/>
       </p:transition>
@@ -35519,13 +35806,13 @@
   <p:clrMapOvr>
     <a:masterClrMapping/>
   </p:clrMapOvr>
-  <mc:AlternateContent xmlns:mc="http://schemas.openxmlformats.org/markup-compatibility/2006">
-    <mc:Choice xmlns:p159="http://schemas.microsoft.com/office/powerpoint/2015/09/main" Requires="p159">
+  <mc:AlternateContent xmlns:mc="http://schemas.openxmlformats.org/markup-compatibility/2006" xmlns:p159="http://schemas.microsoft.com/office/powerpoint/2015/09/main">
+    <mc:Choice Requires="p159">
       <p:transition xmlns:p14="http://schemas.microsoft.com/office/powerpoint/2010/main" spd="slow" p14:dur="2000">
         <p159:morph option="byObject"/>
       </p:transition>
     </mc:Choice>
-    <mc:Fallback>
+    <mc:Fallback xmlns="">
       <p:transition spd="slow">
         <p:fade/>
       </p:transition>
@@ -35723,8 +36010,8 @@
           </a:p>
         </p:txBody>
       </p:sp>
-      <mc:AlternateContent xmlns:mc="http://schemas.openxmlformats.org/markup-compatibility/2006">
-        <mc:Choice xmlns:a14="http://schemas.microsoft.com/office/drawing/2010/main" Requires="a14">
+      <mc:AlternateContent xmlns:mc="http://schemas.openxmlformats.org/markup-compatibility/2006" xmlns:a14="http://schemas.microsoft.com/office/drawing/2010/main">
+        <mc:Choice Requires="a14">
           <p:sp>
             <p:nvSpPr>
               <p:cNvPr id="6" name="Content Placeholder 5">
@@ -35839,7 +36126,7 @@
             </p:txBody>
           </p:sp>
         </mc:Choice>
-        <mc:Fallback>
+        <mc:Fallback xmlns="">
           <p:sp>
             <p:nvSpPr>
               <p:cNvPr id="6" name="Content Placeholder 5">
@@ -36071,13 +36358,13 @@
   <p:clrMapOvr>
     <a:masterClrMapping/>
   </p:clrMapOvr>
-  <mc:AlternateContent xmlns:mc="http://schemas.openxmlformats.org/markup-compatibility/2006">
-    <mc:Choice xmlns:p159="http://schemas.microsoft.com/office/powerpoint/2015/09/main" Requires="p159">
+  <mc:AlternateContent xmlns:mc="http://schemas.openxmlformats.org/markup-compatibility/2006" xmlns:p159="http://schemas.microsoft.com/office/powerpoint/2015/09/main">
+    <mc:Choice Requires="p159">
       <p:transition xmlns:p14="http://schemas.microsoft.com/office/powerpoint/2010/main" spd="slow" p14:dur="2000">
         <p159:morph option="byObject"/>
       </p:transition>
     </mc:Choice>
-    <mc:Fallback>
+    <mc:Fallback xmlns="">
       <p:transition spd="slow">
         <p:fade/>
       </p:transition>
@@ -36408,13 +36695,13 @@
   <p:clrMapOvr>
     <a:masterClrMapping/>
   </p:clrMapOvr>
-  <mc:AlternateContent xmlns:mc="http://schemas.openxmlformats.org/markup-compatibility/2006">
-    <mc:Choice xmlns:p159="http://schemas.microsoft.com/office/powerpoint/2015/09/main" Requires="p159">
+  <mc:AlternateContent xmlns:mc="http://schemas.openxmlformats.org/markup-compatibility/2006" xmlns:p159="http://schemas.microsoft.com/office/powerpoint/2015/09/main">
+    <mc:Choice Requires="p159">
       <p:transition xmlns:p14="http://schemas.microsoft.com/office/powerpoint/2010/main" spd="slow" p14:dur="2000">
         <p159:morph option="byObject"/>
       </p:transition>
     </mc:Choice>
-    <mc:Fallback>
+    <mc:Fallback xmlns="">
       <p:transition spd="slow">
         <p:fade/>
       </p:transition>
@@ -36715,13 +37002,13 @@
   <p:clrMapOvr>
     <a:masterClrMapping/>
   </p:clrMapOvr>
-  <mc:AlternateContent xmlns:mc="http://schemas.openxmlformats.org/markup-compatibility/2006">
-    <mc:Choice xmlns:p159="http://schemas.microsoft.com/office/powerpoint/2015/09/main" Requires="p159">
+  <mc:AlternateContent xmlns:mc="http://schemas.openxmlformats.org/markup-compatibility/2006" xmlns:p159="http://schemas.microsoft.com/office/powerpoint/2015/09/main">
+    <mc:Choice Requires="p159">
       <p:transition xmlns:p14="http://schemas.microsoft.com/office/powerpoint/2010/main" spd="slow" p14:dur="2000">
         <p159:morph option="byObject"/>
       </p:transition>
     </mc:Choice>
-    <mc:Fallback>
+    <mc:Fallback xmlns="">
       <p:transition spd="slow">
         <p:fade/>
       </p:transition>
@@ -36813,13 +37100,13 @@
   <p:clrMapOvr>
     <a:masterClrMapping/>
   </p:clrMapOvr>
-  <mc:AlternateContent xmlns:mc="http://schemas.openxmlformats.org/markup-compatibility/2006">
-    <mc:Choice xmlns:p159="http://schemas.microsoft.com/office/powerpoint/2015/09/main" Requires="p159">
+  <mc:AlternateContent xmlns:mc="http://schemas.openxmlformats.org/markup-compatibility/2006" xmlns:p159="http://schemas.microsoft.com/office/powerpoint/2015/09/main">
+    <mc:Choice Requires="p159">
       <p:transition xmlns:p14="http://schemas.microsoft.com/office/powerpoint/2010/main" spd="slow" p14:dur="2000">
         <p159:morph option="byObject"/>
       </p:transition>
     </mc:Choice>
-    <mc:Fallback>
+    <mc:Fallback xmlns="">
       <p:transition spd="slow">
         <p:fade/>
       </p:transition>
@@ -37325,21 +37612,21 @@
 </file>
 
 <file path=customXml/item1.xml><?xml version="1.0" encoding="utf-8"?>
+<?mso-contentType ?>
+<FormTemplates xmlns="http://schemas.microsoft.com/sharepoint/v3/contenttype/forms">
+  <Display>DocumentLibraryForm</Display>
+  <Edit>DocumentLibraryForm</Edit>
+  <New>DocumentLibraryForm</New>
+</FormTemplates>
+</file>
+
+<file path=customXml/item2.xml><?xml version="1.0" encoding="utf-8"?>
 <p:properties xmlns:p="http://schemas.microsoft.com/office/2006/metadata/properties" xmlns:xsi="http://www.w3.org/2001/XMLSchema-instance" xmlns:pc="http://schemas.microsoft.com/office/infopath/2007/PartnerControls">
   <documentManagement>
     <Status xmlns="71af3243-3dd4-4a8d-8c0d-dd76da1f02a5">Not started</Status>
     <MediaServiceKeyPoints xmlns="71af3243-3dd4-4a8d-8c0d-dd76da1f02a5" xsi:nil="true"/>
   </documentManagement>
 </p:properties>
-</file>
-
-<file path=customXml/item2.xml><?xml version="1.0" encoding="utf-8"?>
-<?mso-contentType ?>
-<FormTemplates xmlns="http://schemas.microsoft.com/sharepoint/v3/contenttype/forms">
-  <Display>DocumentLibraryForm</Display>
-  <Edit>DocumentLibraryForm</Edit>
-  <New>DocumentLibraryForm</New>
-</FormTemplates>
 </file>
 
 <file path=customXml/item3.xml><?xml version="1.0" encoding="utf-8"?>
@@ -37564,19 +37851,19 @@
 </file>
 
 <file path=customXml/itemProps1.xml><?xml version="1.0" encoding="utf-8"?>
+<ds:datastoreItem xmlns:ds="http://schemas.openxmlformats.org/officeDocument/2006/customXml" ds:itemID="{1A449C04-64B3-4403-94B7-8D2284C38D1B}">
+  <ds:schemaRefs>
+    <ds:schemaRef ds:uri="http://schemas.microsoft.com/sharepoint/v3/contenttype/forms"/>
+  </ds:schemaRefs>
+</ds:datastoreItem>
+</file>
+
+<file path=customXml/itemProps2.xml><?xml version="1.0" encoding="utf-8"?>
 <ds:datastoreItem xmlns:ds="http://schemas.openxmlformats.org/officeDocument/2006/customXml" ds:itemID="{FBDEF148-1770-458F-8F5B-C3D0A278AA97}">
   <ds:schemaRefs>
     <ds:schemaRef ds:uri="http://schemas.microsoft.com/office/2006/metadata/properties"/>
     <ds:schemaRef ds:uri="http://schemas.microsoft.com/office/infopath/2007/PartnerControls"/>
     <ds:schemaRef ds:uri="71af3243-3dd4-4a8d-8c0d-dd76da1f02a5"/>
-  </ds:schemaRefs>
-</ds:datastoreItem>
-</file>
-
-<file path=customXml/itemProps2.xml><?xml version="1.0" encoding="utf-8"?>
-<ds:datastoreItem xmlns:ds="http://schemas.openxmlformats.org/officeDocument/2006/customXml" ds:itemID="{1A449C04-64B3-4403-94B7-8D2284C38D1B}">
-  <ds:schemaRefs>
-    <ds:schemaRef ds:uri="http://schemas.microsoft.com/sharepoint/v3/contenttype/forms"/>
   </ds:schemaRefs>
 </ds:datastoreItem>
 </file>
